--- a/Français/3. La modélisation/0. Ajouter la dimension date.pptx
+++ b/Français/3. La modélisation/0. Ajouter la dimension date.pptx
@@ -201,7 +201,7 @@
           <a:p>
             <a:fld id="{056BA3B8-9F76-4D81-B71D-76CB85363062}" type="datetimeFigureOut">
               <a:rPr lang="en-US" smtClean="0"/>
-              <a:t>2/26/2025</a:t>
+              <a:t>3/4/2025</a:t>
             </a:fld>
             <a:endParaRPr lang="en-US"/>
           </a:p>
@@ -600,7 +600,7 @@
           <a:p>
             <a:fld id="{6F01DA4D-20EA-48D2-973C-0311EC3005D6}" type="datetimeFigureOut">
               <a:rPr lang="en-US" smtClean="0"/>
-              <a:t>2/26/2025</a:t>
+              <a:t>3/4/2025</a:t>
             </a:fld>
             <a:endParaRPr lang="en-US"/>
           </a:p>
@@ -770,7 +770,7 @@
           <a:p>
             <a:fld id="{6F01DA4D-20EA-48D2-973C-0311EC3005D6}" type="datetimeFigureOut">
               <a:rPr lang="en-US" smtClean="0"/>
-              <a:t>2/26/2025</a:t>
+              <a:t>3/4/2025</a:t>
             </a:fld>
             <a:endParaRPr lang="en-US"/>
           </a:p>
@@ -950,7 +950,7 @@
           <a:p>
             <a:fld id="{6F01DA4D-20EA-48D2-973C-0311EC3005D6}" type="datetimeFigureOut">
               <a:rPr lang="en-US" smtClean="0"/>
-              <a:t>2/26/2025</a:t>
+              <a:t>3/4/2025</a:t>
             </a:fld>
             <a:endParaRPr lang="en-US"/>
           </a:p>
@@ -1120,7 +1120,7 @@
           <a:p>
             <a:fld id="{6F01DA4D-20EA-48D2-973C-0311EC3005D6}" type="datetimeFigureOut">
               <a:rPr lang="en-US" smtClean="0"/>
-              <a:t>2/26/2025</a:t>
+              <a:t>3/4/2025</a:t>
             </a:fld>
             <a:endParaRPr lang="en-US"/>
           </a:p>
@@ -1366,7 +1366,7 @@
           <a:p>
             <a:fld id="{6F01DA4D-20EA-48D2-973C-0311EC3005D6}" type="datetimeFigureOut">
               <a:rPr lang="en-US" smtClean="0"/>
-              <a:t>2/26/2025</a:t>
+              <a:t>3/4/2025</a:t>
             </a:fld>
             <a:endParaRPr lang="en-US"/>
           </a:p>
@@ -1598,7 +1598,7 @@
           <a:p>
             <a:fld id="{6F01DA4D-20EA-48D2-973C-0311EC3005D6}" type="datetimeFigureOut">
               <a:rPr lang="en-US" smtClean="0"/>
-              <a:t>2/26/2025</a:t>
+              <a:t>3/4/2025</a:t>
             </a:fld>
             <a:endParaRPr lang="en-US"/>
           </a:p>
@@ -1965,7 +1965,7 @@
           <a:p>
             <a:fld id="{6F01DA4D-20EA-48D2-973C-0311EC3005D6}" type="datetimeFigureOut">
               <a:rPr lang="en-US" smtClean="0"/>
-              <a:t>2/26/2025</a:t>
+              <a:t>3/4/2025</a:t>
             </a:fld>
             <a:endParaRPr lang="en-US"/>
           </a:p>
@@ -2083,7 +2083,7 @@
           <a:p>
             <a:fld id="{6F01DA4D-20EA-48D2-973C-0311EC3005D6}" type="datetimeFigureOut">
               <a:rPr lang="en-US" smtClean="0"/>
-              <a:t>2/26/2025</a:t>
+              <a:t>3/4/2025</a:t>
             </a:fld>
             <a:endParaRPr lang="en-US"/>
           </a:p>
@@ -2178,7 +2178,7 @@
           <a:p>
             <a:fld id="{6F01DA4D-20EA-48D2-973C-0311EC3005D6}" type="datetimeFigureOut">
               <a:rPr lang="en-US" smtClean="0"/>
-              <a:t>2/26/2025</a:t>
+              <a:t>3/4/2025</a:t>
             </a:fld>
             <a:endParaRPr lang="en-US"/>
           </a:p>
@@ -2455,7 +2455,7 @@
           <a:p>
             <a:fld id="{6F01DA4D-20EA-48D2-973C-0311EC3005D6}" type="datetimeFigureOut">
               <a:rPr lang="en-US" smtClean="0"/>
-              <a:t>2/26/2025</a:t>
+              <a:t>3/4/2025</a:t>
             </a:fld>
             <a:endParaRPr lang="en-US"/>
           </a:p>
@@ -2708,7 +2708,7 @@
           <a:p>
             <a:fld id="{6F01DA4D-20EA-48D2-973C-0311EC3005D6}" type="datetimeFigureOut">
               <a:rPr lang="en-US" smtClean="0"/>
-              <a:t>2/26/2025</a:t>
+              <a:t>3/4/2025</a:t>
             </a:fld>
             <a:endParaRPr lang="en-US"/>
           </a:p>
@@ -2921,7 +2921,7 @@
           <a:p>
             <a:fld id="{6F01DA4D-20EA-48D2-973C-0311EC3005D6}" type="datetimeFigureOut">
               <a:rPr lang="en-US" smtClean="0"/>
-              <a:t>2/26/2025</a:t>
+              <a:t>3/4/2025</a:t>
             </a:fld>
             <a:endParaRPr lang="en-US"/>
           </a:p>
@@ -3657,7 +3657,15 @@
             </a:r>
             <a:r>
               <a:rPr lang="fr-FR" sz="2000" dirty="0"/>
-              <a:t>Ce laboratoire utilise le fichier </a:t>
+              <a:t>Ce </a:t>
+            </a:r>
+            <a:r>
+              <a:rPr lang="fr-FR" sz="2000" dirty="0" smtClean="0"/>
+              <a:t>atelier </a:t>
+            </a:r>
+            <a:r>
+              <a:rPr lang="fr-FR" sz="2000" dirty="0"/>
+              <a:t>utilise le fichier </a:t>
             </a:r>
             <a:r>
               <a:rPr lang="fr-FR" sz="2000" b="1" dirty="0"/>
@@ -3668,12 +3676,16 @@
               <a:t> situé dans le dossier </a:t>
             </a:r>
             <a:r>
-              <a:rPr lang="fr-FR" sz="2000" b="1" dirty="0"/>
-              <a:t>Excel Sources \ </a:t>
-            </a:r>
-            <a:r>
-              <a:rPr lang="fr-FR" sz="2000" b="1" dirty="0" err="1"/>
+              <a:rPr lang="fr-FR" sz="2000" b="1" dirty="0" err="1" smtClean="0"/>
               <a:t>Resources</a:t>
+            </a:r>
+            <a:r>
+              <a:rPr lang="fr-FR" sz="2000" b="1" dirty="0" smtClean="0"/>
+              <a:t>\Excel </a:t>
+            </a:r>
+            <a:r>
+              <a:rPr lang="fr-FR" sz="2000" b="1" dirty="0" smtClean="0"/>
+              <a:t>Sources</a:t>
             </a:r>
             <a:endParaRPr lang="en-US" sz="2000" b="1" dirty="0"/>
           </a:p>
@@ -3784,810 +3796,6 @@
       </p:sp>
       <p:sp>
         <p:nvSpPr>
-          <p:cNvPr id="5" name="Rectangle 4"/>
-          <p:cNvSpPr/>
-          <p:nvPr/>
-        </p:nvSpPr>
-        <p:spPr>
-          <a:xfrm>
-            <a:off x="481261" y="1617711"/>
-            <a:ext cx="6634558" cy="3416320"/>
-          </a:xfrm>
-          <a:prstGeom prst="rect">
-            <a:avLst/>
-          </a:prstGeom>
-        </p:spPr>
-        <p:txBody>
-          <a:bodyPr wrap="square">
-            <a:spAutoFit/>
-          </a:bodyPr>
-          <a:lstStyle/>
-          <a:p>
-            <a:r>
-              <a:rPr lang="en-US" dirty="0" smtClean="0">
-                <a:solidFill>
-                  <a:srgbClr val="000000"/>
-                </a:solidFill>
-                <a:latin typeface="Consolas" panose="020B0609020204030204" pitchFamily="49" charset="0"/>
-              </a:rPr>
-              <a:t>Date </a:t>
-            </a:r>
-            <a:r>
-              <a:rPr lang="en-US" dirty="0">
-                <a:solidFill>
-                  <a:srgbClr val="000000"/>
-                </a:solidFill>
-                <a:latin typeface="Consolas" panose="020B0609020204030204" pitchFamily="49" charset="0"/>
-              </a:rPr>
-              <a:t>= </a:t>
-            </a:r>
-          </a:p>
-          <a:p>
-            <a:r>
-              <a:rPr lang="en-US" dirty="0">
-                <a:solidFill>
-                  <a:srgbClr val="0000FF"/>
-                </a:solidFill>
-                <a:latin typeface="Consolas" panose="020B0609020204030204" pitchFamily="49" charset="0"/>
-              </a:rPr>
-              <a:t>VAR</a:t>
-            </a:r>
-            <a:r>
-              <a:rPr lang="en-US" dirty="0">
-                <a:solidFill>
-                  <a:srgbClr val="000000"/>
-                </a:solidFill>
-                <a:latin typeface="Consolas" panose="020B0609020204030204" pitchFamily="49" charset="0"/>
-              </a:rPr>
-              <a:t> </a:t>
-            </a:r>
-            <a:r>
-              <a:rPr lang="en-US" dirty="0" err="1">
-                <a:solidFill>
-                  <a:srgbClr val="008080"/>
-                </a:solidFill>
-                <a:latin typeface="Consolas" panose="020B0609020204030204" pitchFamily="49" charset="0"/>
-              </a:rPr>
-              <a:t>MinDate</a:t>
-            </a:r>
-            <a:r>
-              <a:rPr lang="en-US" dirty="0">
-                <a:solidFill>
-                  <a:srgbClr val="000000"/>
-                </a:solidFill>
-                <a:latin typeface="Consolas" panose="020B0609020204030204" pitchFamily="49" charset="0"/>
-              </a:rPr>
-              <a:t> = </a:t>
-            </a:r>
-            <a:r>
-              <a:rPr lang="en-US" dirty="0">
-                <a:solidFill>
-                  <a:srgbClr val="3165BB"/>
-                </a:solidFill>
-                <a:latin typeface="Consolas" panose="020B0609020204030204" pitchFamily="49" charset="0"/>
-              </a:rPr>
-              <a:t>DATE</a:t>
-            </a:r>
-            <a:r>
-              <a:rPr lang="en-US" dirty="0">
-                <a:solidFill>
-                  <a:srgbClr val="000000"/>
-                </a:solidFill>
-                <a:latin typeface="Consolas" panose="020B0609020204030204" pitchFamily="49" charset="0"/>
-              </a:rPr>
-              <a:t>(</a:t>
-            </a:r>
-            <a:r>
-              <a:rPr lang="en-US" dirty="0">
-                <a:solidFill>
-                  <a:srgbClr val="098658"/>
-                </a:solidFill>
-                <a:latin typeface="Consolas" panose="020B0609020204030204" pitchFamily="49" charset="0"/>
-              </a:rPr>
-              <a:t>2018</a:t>
-            </a:r>
-            <a:r>
-              <a:rPr lang="en-US" dirty="0">
-                <a:solidFill>
-                  <a:srgbClr val="000000"/>
-                </a:solidFill>
-                <a:latin typeface="Consolas" panose="020B0609020204030204" pitchFamily="49" charset="0"/>
-              </a:rPr>
-              <a:t>, </a:t>
-            </a:r>
-            <a:r>
-              <a:rPr lang="en-US" dirty="0">
-                <a:solidFill>
-                  <a:srgbClr val="098658"/>
-                </a:solidFill>
-                <a:latin typeface="Consolas" panose="020B0609020204030204" pitchFamily="49" charset="0"/>
-              </a:rPr>
-              <a:t>1</a:t>
-            </a:r>
-            <a:r>
-              <a:rPr lang="en-US" dirty="0">
-                <a:solidFill>
-                  <a:srgbClr val="000000"/>
-                </a:solidFill>
-                <a:latin typeface="Consolas" panose="020B0609020204030204" pitchFamily="49" charset="0"/>
-              </a:rPr>
-              <a:t>, </a:t>
-            </a:r>
-            <a:r>
-              <a:rPr lang="en-US" dirty="0">
-                <a:solidFill>
-                  <a:srgbClr val="098658"/>
-                </a:solidFill>
-                <a:latin typeface="Consolas" panose="020B0609020204030204" pitchFamily="49" charset="0"/>
-              </a:rPr>
-              <a:t>1</a:t>
-            </a:r>
-            <a:r>
-              <a:rPr lang="en-US" dirty="0">
-                <a:solidFill>
-                  <a:srgbClr val="000000"/>
-                </a:solidFill>
-                <a:latin typeface="Consolas" panose="020B0609020204030204" pitchFamily="49" charset="0"/>
-              </a:rPr>
-              <a:t>)</a:t>
-            </a:r>
-          </a:p>
-          <a:p>
-            <a:r>
-              <a:rPr lang="en-US" dirty="0">
-                <a:solidFill>
-                  <a:srgbClr val="0000FF"/>
-                </a:solidFill>
-                <a:latin typeface="Consolas" panose="020B0609020204030204" pitchFamily="49" charset="0"/>
-              </a:rPr>
-              <a:t>VAR</a:t>
-            </a:r>
-            <a:r>
-              <a:rPr lang="en-US" dirty="0">
-                <a:solidFill>
-                  <a:srgbClr val="000000"/>
-                </a:solidFill>
-                <a:latin typeface="Consolas" panose="020B0609020204030204" pitchFamily="49" charset="0"/>
-              </a:rPr>
-              <a:t> </a:t>
-            </a:r>
-            <a:r>
-              <a:rPr lang="en-US" dirty="0" err="1">
-                <a:solidFill>
-                  <a:srgbClr val="008080"/>
-                </a:solidFill>
-                <a:latin typeface="Consolas" panose="020B0609020204030204" pitchFamily="49" charset="0"/>
-              </a:rPr>
-              <a:t>MaxDate</a:t>
-            </a:r>
-            <a:r>
-              <a:rPr lang="en-US" dirty="0">
-                <a:solidFill>
-                  <a:srgbClr val="000000"/>
-                </a:solidFill>
-                <a:latin typeface="Consolas" panose="020B0609020204030204" pitchFamily="49" charset="0"/>
-              </a:rPr>
-              <a:t> = </a:t>
-            </a:r>
-            <a:r>
-              <a:rPr lang="en-US" dirty="0">
-                <a:solidFill>
-                  <a:srgbClr val="3165BB"/>
-                </a:solidFill>
-                <a:latin typeface="Consolas" panose="020B0609020204030204" pitchFamily="49" charset="0"/>
-              </a:rPr>
-              <a:t>DATE</a:t>
-            </a:r>
-            <a:r>
-              <a:rPr lang="en-US" dirty="0">
-                <a:solidFill>
-                  <a:srgbClr val="000000"/>
-                </a:solidFill>
-                <a:latin typeface="Consolas" panose="020B0609020204030204" pitchFamily="49" charset="0"/>
-              </a:rPr>
-              <a:t>(</a:t>
-            </a:r>
-            <a:r>
-              <a:rPr lang="en-US" dirty="0">
-                <a:solidFill>
-                  <a:srgbClr val="098658"/>
-                </a:solidFill>
-                <a:latin typeface="Consolas" panose="020B0609020204030204" pitchFamily="49" charset="0"/>
-              </a:rPr>
-              <a:t>2021</a:t>
-            </a:r>
-            <a:r>
-              <a:rPr lang="en-US" dirty="0">
-                <a:solidFill>
-                  <a:srgbClr val="000000"/>
-                </a:solidFill>
-                <a:latin typeface="Consolas" panose="020B0609020204030204" pitchFamily="49" charset="0"/>
-              </a:rPr>
-              <a:t>, </a:t>
-            </a:r>
-            <a:r>
-              <a:rPr lang="en-US" dirty="0">
-                <a:solidFill>
-                  <a:srgbClr val="098658"/>
-                </a:solidFill>
-                <a:latin typeface="Consolas" panose="020B0609020204030204" pitchFamily="49" charset="0"/>
-              </a:rPr>
-              <a:t>12</a:t>
-            </a:r>
-            <a:r>
-              <a:rPr lang="en-US" dirty="0">
-                <a:solidFill>
-                  <a:srgbClr val="000000"/>
-                </a:solidFill>
-                <a:latin typeface="Consolas" panose="020B0609020204030204" pitchFamily="49" charset="0"/>
-              </a:rPr>
-              <a:t>, </a:t>
-            </a:r>
-            <a:r>
-              <a:rPr lang="en-US" dirty="0">
-                <a:solidFill>
-                  <a:srgbClr val="098658"/>
-                </a:solidFill>
-                <a:latin typeface="Consolas" panose="020B0609020204030204" pitchFamily="49" charset="0"/>
-              </a:rPr>
-              <a:t>31</a:t>
-            </a:r>
-            <a:r>
-              <a:rPr lang="en-US" dirty="0">
-                <a:solidFill>
-                  <a:srgbClr val="000000"/>
-                </a:solidFill>
-                <a:latin typeface="Consolas" panose="020B0609020204030204" pitchFamily="49" charset="0"/>
-              </a:rPr>
-              <a:t>)</a:t>
-            </a:r>
-          </a:p>
-          <a:p>
-            <a:r>
-              <a:rPr lang="en-US" dirty="0">
-                <a:solidFill>
-                  <a:srgbClr val="0000FF"/>
-                </a:solidFill>
-                <a:latin typeface="Consolas" panose="020B0609020204030204" pitchFamily="49" charset="0"/>
-              </a:rPr>
-              <a:t>RETURN</a:t>
-            </a:r>
-            <a:endParaRPr lang="en-US" dirty="0">
-              <a:solidFill>
-                <a:srgbClr val="000000"/>
-              </a:solidFill>
-              <a:latin typeface="Consolas" panose="020B0609020204030204" pitchFamily="49" charset="0"/>
-            </a:endParaRPr>
-          </a:p>
-          <a:p>
-            <a:r>
-              <a:rPr lang="en-US" dirty="0">
-                <a:solidFill>
-                  <a:srgbClr val="3165BB"/>
-                </a:solidFill>
-                <a:latin typeface="Consolas" panose="020B0609020204030204" pitchFamily="49" charset="0"/>
-              </a:rPr>
-              <a:t>ADDCOLUMNS</a:t>
-            </a:r>
-            <a:r>
-              <a:rPr lang="en-US" dirty="0">
-                <a:solidFill>
-                  <a:srgbClr val="000000"/>
-                </a:solidFill>
-                <a:latin typeface="Consolas" panose="020B0609020204030204" pitchFamily="49" charset="0"/>
-              </a:rPr>
-              <a:t> (</a:t>
-            </a:r>
-          </a:p>
-          <a:p>
-            <a:r>
-              <a:rPr lang="en-US" dirty="0">
-                <a:solidFill>
-                  <a:srgbClr val="000000"/>
-                </a:solidFill>
-                <a:latin typeface="Consolas" panose="020B0609020204030204" pitchFamily="49" charset="0"/>
-              </a:rPr>
-              <a:t>    </a:t>
-            </a:r>
-            <a:r>
-              <a:rPr lang="en-US" dirty="0">
-                <a:solidFill>
-                  <a:srgbClr val="3165BB"/>
-                </a:solidFill>
-                <a:latin typeface="Consolas" panose="020B0609020204030204" pitchFamily="49" charset="0"/>
-              </a:rPr>
-              <a:t>CALENDAR</a:t>
-            </a:r>
-            <a:r>
-              <a:rPr lang="en-US" dirty="0">
-                <a:solidFill>
-                  <a:srgbClr val="000000"/>
-                </a:solidFill>
-                <a:latin typeface="Consolas" panose="020B0609020204030204" pitchFamily="49" charset="0"/>
-              </a:rPr>
-              <a:t>(</a:t>
-            </a:r>
-            <a:r>
-              <a:rPr lang="en-US" dirty="0" err="1">
-                <a:solidFill>
-                  <a:srgbClr val="008080"/>
-                </a:solidFill>
-                <a:latin typeface="Consolas" panose="020B0609020204030204" pitchFamily="49" charset="0"/>
-              </a:rPr>
-              <a:t>MinDate</a:t>
-            </a:r>
-            <a:r>
-              <a:rPr lang="en-US" dirty="0">
-                <a:solidFill>
-                  <a:srgbClr val="000000"/>
-                </a:solidFill>
-                <a:latin typeface="Consolas" panose="020B0609020204030204" pitchFamily="49" charset="0"/>
-              </a:rPr>
-              <a:t>, </a:t>
-            </a:r>
-            <a:r>
-              <a:rPr lang="en-US" dirty="0" err="1">
-                <a:solidFill>
-                  <a:srgbClr val="008080"/>
-                </a:solidFill>
-                <a:latin typeface="Consolas" panose="020B0609020204030204" pitchFamily="49" charset="0"/>
-              </a:rPr>
-              <a:t>MaxDate</a:t>
-            </a:r>
-            <a:r>
-              <a:rPr lang="en-US" dirty="0">
-                <a:solidFill>
-                  <a:srgbClr val="000000"/>
-                </a:solidFill>
-                <a:latin typeface="Consolas" panose="020B0609020204030204" pitchFamily="49" charset="0"/>
-              </a:rPr>
-              <a:t>),</a:t>
-            </a:r>
-          </a:p>
-          <a:p>
-            <a:r>
-              <a:rPr lang="en-US" dirty="0">
-                <a:solidFill>
-                  <a:srgbClr val="000000"/>
-                </a:solidFill>
-                <a:latin typeface="Consolas" panose="020B0609020204030204" pitchFamily="49" charset="0"/>
-              </a:rPr>
-              <a:t>    </a:t>
-            </a:r>
-            <a:r>
-              <a:rPr lang="en-US" dirty="0">
-                <a:solidFill>
-                  <a:srgbClr val="A31515"/>
-                </a:solidFill>
-                <a:latin typeface="Consolas" panose="020B0609020204030204" pitchFamily="49" charset="0"/>
-              </a:rPr>
-              <a:t>"Calendar Year"</a:t>
-            </a:r>
-            <a:r>
-              <a:rPr lang="en-US" dirty="0">
-                <a:solidFill>
-                  <a:srgbClr val="000000"/>
-                </a:solidFill>
-                <a:latin typeface="Consolas" panose="020B0609020204030204" pitchFamily="49" charset="0"/>
-              </a:rPr>
-              <a:t>, </a:t>
-            </a:r>
-            <a:r>
-              <a:rPr lang="en-US" dirty="0">
-                <a:solidFill>
-                  <a:srgbClr val="A31515"/>
-                </a:solidFill>
-                <a:latin typeface="Consolas" panose="020B0609020204030204" pitchFamily="49" charset="0"/>
-              </a:rPr>
-              <a:t>"CY"</a:t>
-            </a:r>
-            <a:r>
-              <a:rPr lang="en-US" dirty="0">
-                <a:solidFill>
-                  <a:srgbClr val="000000"/>
-                </a:solidFill>
-                <a:latin typeface="Consolas" panose="020B0609020204030204" pitchFamily="49" charset="0"/>
-              </a:rPr>
-              <a:t> &amp; </a:t>
-            </a:r>
-            <a:r>
-              <a:rPr lang="en-US" dirty="0">
-                <a:solidFill>
-                  <a:srgbClr val="3165BB"/>
-                </a:solidFill>
-                <a:latin typeface="Consolas" panose="020B0609020204030204" pitchFamily="49" charset="0"/>
-              </a:rPr>
-              <a:t>YEAR</a:t>
-            </a:r>
-            <a:r>
-              <a:rPr lang="en-US" dirty="0">
-                <a:solidFill>
-                  <a:srgbClr val="000000"/>
-                </a:solidFill>
-                <a:latin typeface="Consolas" panose="020B0609020204030204" pitchFamily="49" charset="0"/>
-              </a:rPr>
-              <a:t>(</a:t>
-            </a:r>
-            <a:r>
-              <a:rPr lang="en-US" dirty="0">
-                <a:solidFill>
-                  <a:srgbClr val="001080"/>
-                </a:solidFill>
-                <a:latin typeface="Consolas" panose="020B0609020204030204" pitchFamily="49" charset="0"/>
-              </a:rPr>
-              <a:t>[Date]</a:t>
-            </a:r>
-            <a:r>
-              <a:rPr lang="en-US" dirty="0">
-                <a:solidFill>
-                  <a:srgbClr val="000000"/>
-                </a:solidFill>
-                <a:latin typeface="Consolas" panose="020B0609020204030204" pitchFamily="49" charset="0"/>
-              </a:rPr>
-              <a:t>),</a:t>
-            </a:r>
-          </a:p>
-          <a:p>
-            <a:r>
-              <a:rPr lang="en-US" dirty="0">
-                <a:solidFill>
-                  <a:srgbClr val="000000"/>
-                </a:solidFill>
-                <a:latin typeface="Consolas" panose="020B0609020204030204" pitchFamily="49" charset="0"/>
-              </a:rPr>
-              <a:t>    </a:t>
-            </a:r>
-            <a:r>
-              <a:rPr lang="en-US" dirty="0">
-                <a:solidFill>
-                  <a:srgbClr val="A31515"/>
-                </a:solidFill>
-                <a:latin typeface="Consolas" panose="020B0609020204030204" pitchFamily="49" charset="0"/>
-              </a:rPr>
-              <a:t>"Month Name"</a:t>
-            </a:r>
-            <a:r>
-              <a:rPr lang="en-US" dirty="0">
-                <a:solidFill>
-                  <a:srgbClr val="000000"/>
-                </a:solidFill>
-                <a:latin typeface="Consolas" panose="020B0609020204030204" pitchFamily="49" charset="0"/>
-              </a:rPr>
-              <a:t>, </a:t>
-            </a:r>
-            <a:r>
-              <a:rPr lang="en-US" dirty="0">
-                <a:solidFill>
-                  <a:srgbClr val="3165BB"/>
-                </a:solidFill>
-                <a:latin typeface="Consolas" panose="020B0609020204030204" pitchFamily="49" charset="0"/>
-              </a:rPr>
-              <a:t>FORMAT</a:t>
-            </a:r>
-            <a:r>
-              <a:rPr lang="en-US" dirty="0">
-                <a:solidFill>
-                  <a:srgbClr val="000000"/>
-                </a:solidFill>
-                <a:latin typeface="Consolas" panose="020B0609020204030204" pitchFamily="49" charset="0"/>
-              </a:rPr>
-              <a:t>(</a:t>
-            </a:r>
-            <a:r>
-              <a:rPr lang="en-US" dirty="0">
-                <a:solidFill>
-                  <a:srgbClr val="001080"/>
-                </a:solidFill>
-                <a:latin typeface="Consolas" panose="020B0609020204030204" pitchFamily="49" charset="0"/>
-              </a:rPr>
-              <a:t>[Date]</a:t>
-            </a:r>
-            <a:r>
-              <a:rPr lang="en-US" dirty="0">
-                <a:solidFill>
-                  <a:srgbClr val="000000"/>
-                </a:solidFill>
-                <a:latin typeface="Consolas" panose="020B0609020204030204" pitchFamily="49" charset="0"/>
-              </a:rPr>
-              <a:t>, </a:t>
-            </a:r>
-            <a:r>
-              <a:rPr lang="en-US" dirty="0">
-                <a:solidFill>
-                  <a:srgbClr val="A31515"/>
-                </a:solidFill>
-                <a:latin typeface="Consolas" panose="020B0609020204030204" pitchFamily="49" charset="0"/>
-              </a:rPr>
-              <a:t>"</a:t>
-            </a:r>
-            <a:r>
-              <a:rPr lang="en-US" dirty="0" err="1">
-                <a:solidFill>
-                  <a:srgbClr val="A31515"/>
-                </a:solidFill>
-                <a:latin typeface="Consolas" panose="020B0609020204030204" pitchFamily="49" charset="0"/>
-              </a:rPr>
-              <a:t>mmmm</a:t>
-            </a:r>
-            <a:r>
-              <a:rPr lang="en-US" dirty="0">
-                <a:solidFill>
-                  <a:srgbClr val="A31515"/>
-                </a:solidFill>
-                <a:latin typeface="Consolas" panose="020B0609020204030204" pitchFamily="49" charset="0"/>
-              </a:rPr>
-              <a:t>"</a:t>
-            </a:r>
-            <a:r>
-              <a:rPr lang="en-US" dirty="0">
-                <a:solidFill>
-                  <a:srgbClr val="000000"/>
-                </a:solidFill>
-                <a:latin typeface="Consolas" panose="020B0609020204030204" pitchFamily="49" charset="0"/>
-              </a:rPr>
-              <a:t>),</a:t>
-            </a:r>
-          </a:p>
-          <a:p>
-            <a:r>
-              <a:rPr lang="en-US" dirty="0">
-                <a:solidFill>
-                  <a:srgbClr val="000000"/>
-                </a:solidFill>
-                <a:latin typeface="Consolas" panose="020B0609020204030204" pitchFamily="49" charset="0"/>
-              </a:rPr>
-              <a:t>    </a:t>
-            </a:r>
-            <a:r>
-              <a:rPr lang="en-US" dirty="0">
-                <a:solidFill>
-                  <a:srgbClr val="A31515"/>
-                </a:solidFill>
-                <a:latin typeface="Consolas" panose="020B0609020204030204" pitchFamily="49" charset="0"/>
-              </a:rPr>
-              <a:t>"Month Number"</a:t>
-            </a:r>
-            <a:r>
-              <a:rPr lang="en-US" dirty="0">
-                <a:solidFill>
-                  <a:srgbClr val="000000"/>
-                </a:solidFill>
-                <a:latin typeface="Consolas" panose="020B0609020204030204" pitchFamily="49" charset="0"/>
-              </a:rPr>
-              <a:t>, </a:t>
-            </a:r>
-            <a:r>
-              <a:rPr lang="en-US" dirty="0">
-                <a:solidFill>
-                  <a:srgbClr val="3165BB"/>
-                </a:solidFill>
-                <a:latin typeface="Consolas" panose="020B0609020204030204" pitchFamily="49" charset="0"/>
-              </a:rPr>
-              <a:t>MONTH</a:t>
-            </a:r>
-            <a:r>
-              <a:rPr lang="en-US" dirty="0">
-                <a:solidFill>
-                  <a:srgbClr val="000000"/>
-                </a:solidFill>
-                <a:latin typeface="Consolas" panose="020B0609020204030204" pitchFamily="49" charset="0"/>
-              </a:rPr>
-              <a:t>(</a:t>
-            </a:r>
-            <a:r>
-              <a:rPr lang="en-US" dirty="0">
-                <a:solidFill>
-                  <a:srgbClr val="001080"/>
-                </a:solidFill>
-                <a:latin typeface="Consolas" panose="020B0609020204030204" pitchFamily="49" charset="0"/>
-              </a:rPr>
-              <a:t>[Date]</a:t>
-            </a:r>
-            <a:r>
-              <a:rPr lang="en-US" dirty="0">
-                <a:solidFill>
-                  <a:srgbClr val="000000"/>
-                </a:solidFill>
-                <a:latin typeface="Consolas" panose="020B0609020204030204" pitchFamily="49" charset="0"/>
-              </a:rPr>
-              <a:t>),</a:t>
-            </a:r>
-          </a:p>
-          <a:p>
-            <a:r>
-              <a:rPr lang="en-US" dirty="0">
-                <a:solidFill>
-                  <a:srgbClr val="000000"/>
-                </a:solidFill>
-                <a:latin typeface="Consolas" panose="020B0609020204030204" pitchFamily="49" charset="0"/>
-              </a:rPr>
-              <a:t>    </a:t>
-            </a:r>
-            <a:r>
-              <a:rPr lang="en-US" dirty="0">
-                <a:solidFill>
-                  <a:srgbClr val="A31515"/>
-                </a:solidFill>
-                <a:latin typeface="Consolas" panose="020B0609020204030204" pitchFamily="49" charset="0"/>
-              </a:rPr>
-              <a:t>"Date Key"</a:t>
-            </a:r>
-            <a:r>
-              <a:rPr lang="en-US" dirty="0">
-                <a:solidFill>
-                  <a:srgbClr val="000000"/>
-                </a:solidFill>
-                <a:latin typeface="Consolas" panose="020B0609020204030204" pitchFamily="49" charset="0"/>
-              </a:rPr>
-              <a:t>, </a:t>
-            </a:r>
-            <a:r>
-              <a:rPr lang="en-US" dirty="0">
-                <a:solidFill>
-                  <a:srgbClr val="3165BB"/>
-                </a:solidFill>
-                <a:latin typeface="Consolas" panose="020B0609020204030204" pitchFamily="49" charset="0"/>
-              </a:rPr>
-              <a:t>YEAR</a:t>
-            </a:r>
-            <a:r>
-              <a:rPr lang="en-US" dirty="0">
-                <a:solidFill>
-                  <a:srgbClr val="000000"/>
-                </a:solidFill>
-                <a:latin typeface="Consolas" panose="020B0609020204030204" pitchFamily="49" charset="0"/>
-              </a:rPr>
-              <a:t>(</a:t>
-            </a:r>
-            <a:r>
-              <a:rPr lang="en-US" dirty="0">
-                <a:solidFill>
-                  <a:srgbClr val="001080"/>
-                </a:solidFill>
-                <a:latin typeface="Consolas" panose="020B0609020204030204" pitchFamily="49" charset="0"/>
-              </a:rPr>
-              <a:t>[Date]</a:t>
-            </a:r>
-            <a:r>
-              <a:rPr lang="en-US" dirty="0">
-                <a:solidFill>
-                  <a:srgbClr val="000000"/>
-                </a:solidFill>
-                <a:latin typeface="Consolas" panose="020B0609020204030204" pitchFamily="49" charset="0"/>
-              </a:rPr>
-              <a:t>) * </a:t>
-            </a:r>
-            <a:r>
-              <a:rPr lang="en-US" dirty="0">
-                <a:solidFill>
-                  <a:srgbClr val="098658"/>
-                </a:solidFill>
-                <a:latin typeface="Consolas" panose="020B0609020204030204" pitchFamily="49" charset="0"/>
-              </a:rPr>
-              <a:t>10000</a:t>
-            </a:r>
-            <a:r>
-              <a:rPr lang="en-US" dirty="0">
-                <a:solidFill>
-                  <a:srgbClr val="000000"/>
-                </a:solidFill>
-                <a:latin typeface="Consolas" panose="020B0609020204030204" pitchFamily="49" charset="0"/>
-              </a:rPr>
-              <a:t> + </a:t>
-            </a:r>
-            <a:r>
-              <a:rPr lang="en-US" dirty="0">
-                <a:solidFill>
-                  <a:srgbClr val="3165BB"/>
-                </a:solidFill>
-                <a:latin typeface="Consolas" panose="020B0609020204030204" pitchFamily="49" charset="0"/>
-              </a:rPr>
-              <a:t>MONTH</a:t>
-            </a:r>
-            <a:r>
-              <a:rPr lang="en-US" dirty="0">
-                <a:solidFill>
-                  <a:srgbClr val="000000"/>
-                </a:solidFill>
-                <a:latin typeface="Consolas" panose="020B0609020204030204" pitchFamily="49" charset="0"/>
-              </a:rPr>
-              <a:t>(</a:t>
-            </a:r>
-            <a:r>
-              <a:rPr lang="en-US" dirty="0">
-                <a:solidFill>
-                  <a:srgbClr val="001080"/>
-                </a:solidFill>
-                <a:latin typeface="Consolas" panose="020B0609020204030204" pitchFamily="49" charset="0"/>
-              </a:rPr>
-              <a:t>[Date]</a:t>
-            </a:r>
-            <a:r>
-              <a:rPr lang="en-US" dirty="0">
-                <a:solidFill>
-                  <a:srgbClr val="000000"/>
-                </a:solidFill>
-                <a:latin typeface="Consolas" panose="020B0609020204030204" pitchFamily="49" charset="0"/>
-              </a:rPr>
-              <a:t>) * </a:t>
-            </a:r>
-            <a:r>
-              <a:rPr lang="en-US" dirty="0">
-                <a:solidFill>
-                  <a:srgbClr val="098658"/>
-                </a:solidFill>
-                <a:latin typeface="Consolas" panose="020B0609020204030204" pitchFamily="49" charset="0"/>
-              </a:rPr>
-              <a:t>100</a:t>
-            </a:r>
-            <a:r>
-              <a:rPr lang="en-US" dirty="0">
-                <a:solidFill>
-                  <a:srgbClr val="000000"/>
-                </a:solidFill>
-                <a:latin typeface="Consolas" panose="020B0609020204030204" pitchFamily="49" charset="0"/>
-              </a:rPr>
-              <a:t> + </a:t>
-            </a:r>
-            <a:r>
-              <a:rPr lang="en-US" dirty="0">
-                <a:solidFill>
-                  <a:srgbClr val="3165BB"/>
-                </a:solidFill>
-                <a:latin typeface="Consolas" panose="020B0609020204030204" pitchFamily="49" charset="0"/>
-              </a:rPr>
-              <a:t>DAY</a:t>
-            </a:r>
-            <a:r>
-              <a:rPr lang="en-US" dirty="0">
-                <a:solidFill>
-                  <a:srgbClr val="000000"/>
-                </a:solidFill>
-                <a:latin typeface="Consolas" panose="020B0609020204030204" pitchFamily="49" charset="0"/>
-              </a:rPr>
-              <a:t>(</a:t>
-            </a:r>
-            <a:r>
-              <a:rPr lang="en-US" dirty="0">
-                <a:solidFill>
-                  <a:srgbClr val="001080"/>
-                </a:solidFill>
-                <a:latin typeface="Consolas" panose="020B0609020204030204" pitchFamily="49" charset="0"/>
-              </a:rPr>
-              <a:t>[Date]</a:t>
-            </a:r>
-            <a:r>
-              <a:rPr lang="en-US" dirty="0">
-                <a:solidFill>
-                  <a:srgbClr val="000000"/>
-                </a:solidFill>
-                <a:latin typeface="Consolas" panose="020B0609020204030204" pitchFamily="49" charset="0"/>
-              </a:rPr>
-              <a:t>)</a:t>
-            </a:r>
-          </a:p>
-          <a:p>
-            <a:r>
-              <a:rPr lang="en-US" dirty="0">
-                <a:solidFill>
-                  <a:srgbClr val="000000"/>
-                </a:solidFill>
-                <a:latin typeface="Consolas" panose="020B0609020204030204" pitchFamily="49" charset="0"/>
-              </a:rPr>
-              <a:t>)</a:t>
-            </a:r>
-            <a:endParaRPr lang="en-US" b="0" dirty="0">
-              <a:solidFill>
-                <a:srgbClr val="000000"/>
-              </a:solidFill>
-              <a:effectLst/>
-              <a:latin typeface="Consolas" panose="020B0609020204030204" pitchFamily="49" charset="0"/>
-            </a:endParaRPr>
-          </a:p>
-        </p:txBody>
-      </p:sp>
-      <p:sp>
-        <p:nvSpPr>
           <p:cNvPr id="3" name="Rectangle 2"/>
           <p:cNvSpPr/>
           <p:nvPr/>
@@ -4612,6 +3820,819 @@
               <a:t>Générez une table de dimension "Date".</a:t>
             </a:r>
             <a:endParaRPr lang="en-US" dirty="0"/>
+          </a:p>
+        </p:txBody>
+      </p:sp>
+      <p:sp>
+        <p:nvSpPr>
+          <p:cNvPr id="4" name="Rectangle 3"/>
+          <p:cNvSpPr/>
+          <p:nvPr/>
+        </p:nvSpPr>
+        <p:spPr>
+          <a:xfrm>
+            <a:off x="462929" y="1369211"/>
+            <a:ext cx="10124859" cy="3139321"/>
+          </a:xfrm>
+          <a:prstGeom prst="rect">
+            <a:avLst/>
+          </a:prstGeom>
+        </p:spPr>
+        <p:txBody>
+          <a:bodyPr wrap="square">
+            <a:spAutoFit/>
+          </a:bodyPr>
+          <a:lstStyle/>
+          <a:p>
+            <a:r>
+              <a:rPr lang="en-US" dirty="0">
+                <a:solidFill>
+                  <a:srgbClr val="000000"/>
+                </a:solidFill>
+                <a:latin typeface="Consolas" panose="020B0609020204030204" pitchFamily="49" charset="0"/>
+              </a:rPr>
+              <a:t>Date = </a:t>
+            </a:r>
+          </a:p>
+          <a:p>
+            <a:r>
+              <a:rPr lang="en-US" dirty="0">
+                <a:solidFill>
+                  <a:srgbClr val="0000FF"/>
+                </a:solidFill>
+                <a:latin typeface="Consolas" panose="020B0609020204030204" pitchFamily="49" charset="0"/>
+              </a:rPr>
+              <a:t>VAR</a:t>
+            </a:r>
+            <a:r>
+              <a:rPr lang="en-US" dirty="0">
+                <a:solidFill>
+                  <a:srgbClr val="000000"/>
+                </a:solidFill>
+                <a:latin typeface="Consolas" panose="020B0609020204030204" pitchFamily="49" charset="0"/>
+              </a:rPr>
+              <a:t> </a:t>
+            </a:r>
+            <a:r>
+              <a:rPr lang="en-US" dirty="0" err="1">
+                <a:solidFill>
+                  <a:srgbClr val="008080"/>
+                </a:solidFill>
+                <a:latin typeface="Consolas" panose="020B0609020204030204" pitchFamily="49" charset="0"/>
+              </a:rPr>
+              <a:t>MinDate</a:t>
+            </a:r>
+            <a:r>
+              <a:rPr lang="en-US" dirty="0">
+                <a:solidFill>
+                  <a:srgbClr val="000000"/>
+                </a:solidFill>
+                <a:latin typeface="Consolas" panose="020B0609020204030204" pitchFamily="49" charset="0"/>
+              </a:rPr>
+              <a:t> = </a:t>
+            </a:r>
+            <a:r>
+              <a:rPr lang="en-US" dirty="0">
+                <a:solidFill>
+                  <a:srgbClr val="3165BB"/>
+                </a:solidFill>
+                <a:latin typeface="Consolas" panose="020B0609020204030204" pitchFamily="49" charset="0"/>
+              </a:rPr>
+              <a:t>DATE</a:t>
+            </a:r>
+            <a:r>
+              <a:rPr lang="en-US" dirty="0">
+                <a:solidFill>
+                  <a:srgbClr val="000000"/>
+                </a:solidFill>
+                <a:latin typeface="Consolas" panose="020B0609020204030204" pitchFamily="49" charset="0"/>
+              </a:rPr>
+              <a:t>(</a:t>
+            </a:r>
+            <a:r>
+              <a:rPr lang="en-US" dirty="0">
+                <a:solidFill>
+                  <a:srgbClr val="098658"/>
+                </a:solidFill>
+                <a:latin typeface="Consolas" panose="020B0609020204030204" pitchFamily="49" charset="0"/>
+              </a:rPr>
+              <a:t>2018</a:t>
+            </a:r>
+            <a:r>
+              <a:rPr lang="en-US" dirty="0">
+                <a:solidFill>
+                  <a:srgbClr val="000000"/>
+                </a:solidFill>
+                <a:latin typeface="Consolas" panose="020B0609020204030204" pitchFamily="49" charset="0"/>
+              </a:rPr>
+              <a:t>, </a:t>
+            </a:r>
+            <a:r>
+              <a:rPr lang="en-US" dirty="0">
+                <a:solidFill>
+                  <a:srgbClr val="098658"/>
+                </a:solidFill>
+                <a:latin typeface="Consolas" panose="020B0609020204030204" pitchFamily="49" charset="0"/>
+              </a:rPr>
+              <a:t>1</a:t>
+            </a:r>
+            <a:r>
+              <a:rPr lang="en-US" dirty="0">
+                <a:solidFill>
+                  <a:srgbClr val="000000"/>
+                </a:solidFill>
+                <a:latin typeface="Consolas" panose="020B0609020204030204" pitchFamily="49" charset="0"/>
+              </a:rPr>
+              <a:t>, </a:t>
+            </a:r>
+            <a:r>
+              <a:rPr lang="en-US" dirty="0">
+                <a:solidFill>
+                  <a:srgbClr val="098658"/>
+                </a:solidFill>
+                <a:latin typeface="Consolas" panose="020B0609020204030204" pitchFamily="49" charset="0"/>
+              </a:rPr>
+              <a:t>1</a:t>
+            </a:r>
+            <a:r>
+              <a:rPr lang="en-US" dirty="0">
+                <a:solidFill>
+                  <a:srgbClr val="000000"/>
+                </a:solidFill>
+                <a:latin typeface="Consolas" panose="020B0609020204030204" pitchFamily="49" charset="0"/>
+              </a:rPr>
+              <a:t>)</a:t>
+            </a:r>
+          </a:p>
+          <a:p>
+            <a:r>
+              <a:rPr lang="en-US" dirty="0">
+                <a:solidFill>
+                  <a:srgbClr val="0000FF"/>
+                </a:solidFill>
+                <a:latin typeface="Consolas" panose="020B0609020204030204" pitchFamily="49" charset="0"/>
+              </a:rPr>
+              <a:t>VAR</a:t>
+            </a:r>
+            <a:r>
+              <a:rPr lang="en-US" dirty="0">
+                <a:solidFill>
+                  <a:srgbClr val="000000"/>
+                </a:solidFill>
+                <a:latin typeface="Consolas" panose="020B0609020204030204" pitchFamily="49" charset="0"/>
+              </a:rPr>
+              <a:t> </a:t>
+            </a:r>
+            <a:r>
+              <a:rPr lang="en-US" dirty="0" err="1">
+                <a:solidFill>
+                  <a:srgbClr val="008080"/>
+                </a:solidFill>
+                <a:latin typeface="Consolas" panose="020B0609020204030204" pitchFamily="49" charset="0"/>
+              </a:rPr>
+              <a:t>MaxDate</a:t>
+            </a:r>
+            <a:r>
+              <a:rPr lang="en-US" dirty="0">
+                <a:solidFill>
+                  <a:srgbClr val="000000"/>
+                </a:solidFill>
+                <a:latin typeface="Consolas" panose="020B0609020204030204" pitchFamily="49" charset="0"/>
+              </a:rPr>
+              <a:t> = </a:t>
+            </a:r>
+            <a:r>
+              <a:rPr lang="en-US" dirty="0">
+                <a:solidFill>
+                  <a:srgbClr val="3165BB"/>
+                </a:solidFill>
+                <a:latin typeface="Consolas" panose="020B0609020204030204" pitchFamily="49" charset="0"/>
+              </a:rPr>
+              <a:t>DATE</a:t>
+            </a:r>
+            <a:r>
+              <a:rPr lang="en-US" dirty="0">
+                <a:solidFill>
+                  <a:srgbClr val="000000"/>
+                </a:solidFill>
+                <a:latin typeface="Consolas" panose="020B0609020204030204" pitchFamily="49" charset="0"/>
+              </a:rPr>
+              <a:t>(</a:t>
+            </a:r>
+            <a:r>
+              <a:rPr lang="en-US" dirty="0">
+                <a:solidFill>
+                  <a:srgbClr val="098658"/>
+                </a:solidFill>
+                <a:latin typeface="Consolas" panose="020B0609020204030204" pitchFamily="49" charset="0"/>
+              </a:rPr>
+              <a:t>2021</a:t>
+            </a:r>
+            <a:r>
+              <a:rPr lang="en-US" dirty="0">
+                <a:solidFill>
+                  <a:srgbClr val="000000"/>
+                </a:solidFill>
+                <a:latin typeface="Consolas" panose="020B0609020204030204" pitchFamily="49" charset="0"/>
+              </a:rPr>
+              <a:t>, </a:t>
+            </a:r>
+            <a:r>
+              <a:rPr lang="en-US" dirty="0">
+                <a:solidFill>
+                  <a:srgbClr val="098658"/>
+                </a:solidFill>
+                <a:latin typeface="Consolas" panose="020B0609020204030204" pitchFamily="49" charset="0"/>
+              </a:rPr>
+              <a:t>12</a:t>
+            </a:r>
+            <a:r>
+              <a:rPr lang="en-US" dirty="0">
+                <a:solidFill>
+                  <a:srgbClr val="000000"/>
+                </a:solidFill>
+                <a:latin typeface="Consolas" panose="020B0609020204030204" pitchFamily="49" charset="0"/>
+              </a:rPr>
+              <a:t>, </a:t>
+            </a:r>
+            <a:r>
+              <a:rPr lang="en-US" dirty="0">
+                <a:solidFill>
+                  <a:srgbClr val="098658"/>
+                </a:solidFill>
+                <a:latin typeface="Consolas" panose="020B0609020204030204" pitchFamily="49" charset="0"/>
+              </a:rPr>
+              <a:t>31</a:t>
+            </a:r>
+            <a:r>
+              <a:rPr lang="en-US" dirty="0">
+                <a:solidFill>
+                  <a:srgbClr val="000000"/>
+                </a:solidFill>
+                <a:latin typeface="Consolas" panose="020B0609020204030204" pitchFamily="49" charset="0"/>
+              </a:rPr>
+              <a:t>)</a:t>
+            </a:r>
+          </a:p>
+          <a:p>
+            <a:r>
+              <a:rPr lang="en-US" dirty="0">
+                <a:solidFill>
+                  <a:srgbClr val="0000FF"/>
+                </a:solidFill>
+                <a:latin typeface="Consolas" panose="020B0609020204030204" pitchFamily="49" charset="0"/>
+              </a:rPr>
+              <a:t>RETURN</a:t>
+            </a:r>
+            <a:endParaRPr lang="en-US" dirty="0">
+              <a:solidFill>
+                <a:srgbClr val="000000"/>
+              </a:solidFill>
+              <a:latin typeface="Consolas" panose="020B0609020204030204" pitchFamily="49" charset="0"/>
+            </a:endParaRPr>
+          </a:p>
+          <a:p>
+            <a:r>
+              <a:rPr lang="en-US" dirty="0">
+                <a:solidFill>
+                  <a:srgbClr val="3165BB"/>
+                </a:solidFill>
+                <a:latin typeface="Consolas" panose="020B0609020204030204" pitchFamily="49" charset="0"/>
+              </a:rPr>
+              <a:t>ADDCOLUMNS</a:t>
+            </a:r>
+            <a:r>
+              <a:rPr lang="en-US" dirty="0">
+                <a:solidFill>
+                  <a:srgbClr val="000000"/>
+                </a:solidFill>
+                <a:latin typeface="Consolas" panose="020B0609020204030204" pitchFamily="49" charset="0"/>
+              </a:rPr>
+              <a:t> (</a:t>
+            </a:r>
+          </a:p>
+          <a:p>
+            <a:r>
+              <a:rPr lang="en-US" dirty="0">
+                <a:solidFill>
+                  <a:srgbClr val="000000"/>
+                </a:solidFill>
+                <a:latin typeface="Consolas" panose="020B0609020204030204" pitchFamily="49" charset="0"/>
+              </a:rPr>
+              <a:t>    </a:t>
+            </a:r>
+            <a:r>
+              <a:rPr lang="en-US" dirty="0">
+                <a:solidFill>
+                  <a:srgbClr val="3165BB"/>
+                </a:solidFill>
+                <a:latin typeface="Consolas" panose="020B0609020204030204" pitchFamily="49" charset="0"/>
+              </a:rPr>
+              <a:t>CALENDAR</a:t>
+            </a:r>
+            <a:r>
+              <a:rPr lang="en-US" dirty="0">
+                <a:solidFill>
+                  <a:srgbClr val="000000"/>
+                </a:solidFill>
+                <a:latin typeface="Consolas" panose="020B0609020204030204" pitchFamily="49" charset="0"/>
+              </a:rPr>
+              <a:t>(</a:t>
+            </a:r>
+            <a:r>
+              <a:rPr lang="en-US" dirty="0" err="1">
+                <a:solidFill>
+                  <a:srgbClr val="008080"/>
+                </a:solidFill>
+                <a:latin typeface="Consolas" panose="020B0609020204030204" pitchFamily="49" charset="0"/>
+              </a:rPr>
+              <a:t>MinDate</a:t>
+            </a:r>
+            <a:r>
+              <a:rPr lang="en-US" dirty="0">
+                <a:solidFill>
+                  <a:srgbClr val="000000"/>
+                </a:solidFill>
+                <a:latin typeface="Consolas" panose="020B0609020204030204" pitchFamily="49" charset="0"/>
+              </a:rPr>
+              <a:t>, </a:t>
+            </a:r>
+            <a:r>
+              <a:rPr lang="en-US" dirty="0" err="1">
+                <a:solidFill>
+                  <a:srgbClr val="008080"/>
+                </a:solidFill>
+                <a:latin typeface="Consolas" panose="020B0609020204030204" pitchFamily="49" charset="0"/>
+              </a:rPr>
+              <a:t>MaxDate</a:t>
+            </a:r>
+            <a:r>
+              <a:rPr lang="en-US" dirty="0">
+                <a:solidFill>
+                  <a:srgbClr val="000000"/>
+                </a:solidFill>
+                <a:latin typeface="Consolas" panose="020B0609020204030204" pitchFamily="49" charset="0"/>
+              </a:rPr>
+              <a:t>),</a:t>
+            </a:r>
+          </a:p>
+          <a:p>
+            <a:r>
+              <a:rPr lang="en-US" dirty="0">
+                <a:solidFill>
+                  <a:srgbClr val="000000"/>
+                </a:solidFill>
+                <a:latin typeface="Consolas" panose="020B0609020204030204" pitchFamily="49" charset="0"/>
+              </a:rPr>
+              <a:t>    </a:t>
+            </a:r>
+            <a:r>
+              <a:rPr lang="en-US" dirty="0">
+                <a:solidFill>
+                  <a:srgbClr val="A31515"/>
+                </a:solidFill>
+                <a:latin typeface="Consolas" panose="020B0609020204030204" pitchFamily="49" charset="0"/>
+              </a:rPr>
+              <a:t>"Calendar Year"</a:t>
+            </a:r>
+            <a:r>
+              <a:rPr lang="en-US" dirty="0">
+                <a:solidFill>
+                  <a:srgbClr val="000000"/>
+                </a:solidFill>
+                <a:latin typeface="Consolas" panose="020B0609020204030204" pitchFamily="49" charset="0"/>
+              </a:rPr>
+              <a:t>, </a:t>
+            </a:r>
+            <a:r>
+              <a:rPr lang="en-US" dirty="0">
+                <a:solidFill>
+                  <a:srgbClr val="A31515"/>
+                </a:solidFill>
+                <a:latin typeface="Consolas" panose="020B0609020204030204" pitchFamily="49" charset="0"/>
+              </a:rPr>
+              <a:t>"CY"</a:t>
+            </a:r>
+            <a:r>
+              <a:rPr lang="en-US" dirty="0">
+                <a:solidFill>
+                  <a:srgbClr val="000000"/>
+                </a:solidFill>
+                <a:latin typeface="Consolas" panose="020B0609020204030204" pitchFamily="49" charset="0"/>
+              </a:rPr>
+              <a:t> &amp; </a:t>
+            </a:r>
+            <a:r>
+              <a:rPr lang="en-US" dirty="0">
+                <a:solidFill>
+                  <a:srgbClr val="3165BB"/>
+                </a:solidFill>
+                <a:latin typeface="Consolas" panose="020B0609020204030204" pitchFamily="49" charset="0"/>
+              </a:rPr>
+              <a:t>FORMAT</a:t>
+            </a:r>
+            <a:r>
+              <a:rPr lang="en-US" dirty="0">
+                <a:solidFill>
+                  <a:srgbClr val="000000"/>
+                </a:solidFill>
+                <a:latin typeface="Consolas" panose="020B0609020204030204" pitchFamily="49" charset="0"/>
+              </a:rPr>
+              <a:t>(</a:t>
+            </a:r>
+            <a:r>
+              <a:rPr lang="en-US" dirty="0">
+                <a:solidFill>
+                  <a:srgbClr val="001080"/>
+                </a:solidFill>
+                <a:latin typeface="Consolas" panose="020B0609020204030204" pitchFamily="49" charset="0"/>
+              </a:rPr>
+              <a:t>[Date]</a:t>
+            </a:r>
+            <a:r>
+              <a:rPr lang="en-US" dirty="0">
+                <a:solidFill>
+                  <a:srgbClr val="000000"/>
+                </a:solidFill>
+                <a:latin typeface="Consolas" panose="020B0609020204030204" pitchFamily="49" charset="0"/>
+              </a:rPr>
+              <a:t>, </a:t>
+            </a:r>
+            <a:r>
+              <a:rPr lang="en-US" dirty="0">
+                <a:solidFill>
+                  <a:srgbClr val="A31515"/>
+                </a:solidFill>
+                <a:latin typeface="Consolas" panose="020B0609020204030204" pitchFamily="49" charset="0"/>
+              </a:rPr>
+              <a:t>"YYYY"</a:t>
+            </a:r>
+            <a:r>
+              <a:rPr lang="en-US" dirty="0">
+                <a:solidFill>
+                  <a:srgbClr val="000000"/>
+                </a:solidFill>
+                <a:latin typeface="Consolas" panose="020B0609020204030204" pitchFamily="49" charset="0"/>
+              </a:rPr>
+              <a:t>),</a:t>
+            </a:r>
+          </a:p>
+          <a:p>
+            <a:r>
+              <a:rPr lang="en-US" dirty="0">
+                <a:solidFill>
+                  <a:srgbClr val="000000"/>
+                </a:solidFill>
+                <a:latin typeface="Consolas" panose="020B0609020204030204" pitchFamily="49" charset="0"/>
+              </a:rPr>
+              <a:t>    </a:t>
+            </a:r>
+            <a:r>
+              <a:rPr lang="en-US" dirty="0">
+                <a:solidFill>
+                  <a:srgbClr val="A31515"/>
+                </a:solidFill>
+                <a:latin typeface="Consolas" panose="020B0609020204030204" pitchFamily="49" charset="0"/>
+              </a:rPr>
+              <a:t>"Month Name"</a:t>
+            </a:r>
+            <a:r>
+              <a:rPr lang="en-US" dirty="0">
+                <a:solidFill>
+                  <a:srgbClr val="000000"/>
+                </a:solidFill>
+                <a:latin typeface="Consolas" panose="020B0609020204030204" pitchFamily="49" charset="0"/>
+              </a:rPr>
+              <a:t>, </a:t>
+            </a:r>
+            <a:r>
+              <a:rPr lang="en-US" dirty="0">
+                <a:solidFill>
+                  <a:srgbClr val="3165BB"/>
+                </a:solidFill>
+                <a:latin typeface="Consolas" panose="020B0609020204030204" pitchFamily="49" charset="0"/>
+              </a:rPr>
+              <a:t>FORMAT</a:t>
+            </a:r>
+            <a:r>
+              <a:rPr lang="en-US" dirty="0">
+                <a:solidFill>
+                  <a:srgbClr val="000000"/>
+                </a:solidFill>
+                <a:latin typeface="Consolas" panose="020B0609020204030204" pitchFamily="49" charset="0"/>
+              </a:rPr>
+              <a:t>(</a:t>
+            </a:r>
+            <a:r>
+              <a:rPr lang="en-US" dirty="0">
+                <a:solidFill>
+                  <a:srgbClr val="001080"/>
+                </a:solidFill>
+                <a:latin typeface="Consolas" panose="020B0609020204030204" pitchFamily="49" charset="0"/>
+              </a:rPr>
+              <a:t>[Date]</a:t>
+            </a:r>
+            <a:r>
+              <a:rPr lang="en-US" dirty="0">
+                <a:solidFill>
+                  <a:srgbClr val="000000"/>
+                </a:solidFill>
+                <a:latin typeface="Consolas" panose="020B0609020204030204" pitchFamily="49" charset="0"/>
+              </a:rPr>
+              <a:t>, </a:t>
+            </a:r>
+            <a:r>
+              <a:rPr lang="en-US" dirty="0">
+                <a:solidFill>
+                  <a:srgbClr val="A31515"/>
+                </a:solidFill>
+                <a:latin typeface="Consolas" panose="020B0609020204030204" pitchFamily="49" charset="0"/>
+              </a:rPr>
+              <a:t>"MMMM"</a:t>
+            </a:r>
+            <a:r>
+              <a:rPr lang="en-US" dirty="0">
+                <a:solidFill>
+                  <a:srgbClr val="000000"/>
+                </a:solidFill>
+                <a:latin typeface="Consolas" panose="020B0609020204030204" pitchFamily="49" charset="0"/>
+              </a:rPr>
+              <a:t>),</a:t>
+            </a:r>
+          </a:p>
+          <a:p>
+            <a:r>
+              <a:rPr lang="en-US" dirty="0">
+                <a:solidFill>
+                  <a:srgbClr val="000000"/>
+                </a:solidFill>
+                <a:latin typeface="Consolas" panose="020B0609020204030204" pitchFamily="49" charset="0"/>
+              </a:rPr>
+              <a:t>    </a:t>
+            </a:r>
+            <a:r>
+              <a:rPr lang="en-US" dirty="0">
+                <a:solidFill>
+                  <a:srgbClr val="A31515"/>
+                </a:solidFill>
+                <a:latin typeface="Consolas" panose="020B0609020204030204" pitchFamily="49" charset="0"/>
+              </a:rPr>
+              <a:t>"Month Number"</a:t>
+            </a:r>
+            <a:r>
+              <a:rPr lang="en-US" dirty="0">
+                <a:solidFill>
+                  <a:srgbClr val="000000"/>
+                </a:solidFill>
+                <a:latin typeface="Consolas" panose="020B0609020204030204" pitchFamily="49" charset="0"/>
+              </a:rPr>
+              <a:t>, </a:t>
+            </a:r>
+            <a:r>
+              <a:rPr lang="en-US" dirty="0">
+                <a:solidFill>
+                  <a:srgbClr val="3165BB"/>
+                </a:solidFill>
+                <a:latin typeface="Consolas" panose="020B0609020204030204" pitchFamily="49" charset="0"/>
+              </a:rPr>
+              <a:t>FORMAT</a:t>
+            </a:r>
+            <a:r>
+              <a:rPr lang="en-US" dirty="0">
+                <a:solidFill>
+                  <a:srgbClr val="000000"/>
+                </a:solidFill>
+                <a:latin typeface="Consolas" panose="020B0609020204030204" pitchFamily="49" charset="0"/>
+              </a:rPr>
+              <a:t>(</a:t>
+            </a:r>
+            <a:r>
+              <a:rPr lang="en-US" dirty="0">
+                <a:solidFill>
+                  <a:srgbClr val="001080"/>
+                </a:solidFill>
+                <a:latin typeface="Consolas" panose="020B0609020204030204" pitchFamily="49" charset="0"/>
+              </a:rPr>
+              <a:t>[Date]</a:t>
+            </a:r>
+            <a:r>
+              <a:rPr lang="en-US" dirty="0">
+                <a:solidFill>
+                  <a:srgbClr val="000000"/>
+                </a:solidFill>
+                <a:latin typeface="Consolas" panose="020B0609020204030204" pitchFamily="49" charset="0"/>
+              </a:rPr>
+              <a:t>, </a:t>
+            </a:r>
+            <a:r>
+              <a:rPr lang="en-US" dirty="0">
+                <a:solidFill>
+                  <a:srgbClr val="A31515"/>
+                </a:solidFill>
+                <a:latin typeface="Consolas" panose="020B0609020204030204" pitchFamily="49" charset="0"/>
+              </a:rPr>
+              <a:t>"MM"</a:t>
+            </a:r>
+            <a:r>
+              <a:rPr lang="en-US" dirty="0">
+                <a:solidFill>
+                  <a:srgbClr val="000000"/>
+                </a:solidFill>
+                <a:latin typeface="Consolas" panose="020B0609020204030204" pitchFamily="49" charset="0"/>
+              </a:rPr>
+              <a:t>),</a:t>
+            </a:r>
+          </a:p>
+          <a:p>
+            <a:r>
+              <a:rPr lang="en-US" dirty="0">
+                <a:solidFill>
+                  <a:srgbClr val="000000"/>
+                </a:solidFill>
+                <a:latin typeface="Consolas" panose="020B0609020204030204" pitchFamily="49" charset="0"/>
+              </a:rPr>
+              <a:t>    </a:t>
+            </a:r>
+            <a:r>
+              <a:rPr lang="en-US" dirty="0">
+                <a:solidFill>
+                  <a:srgbClr val="A31515"/>
+                </a:solidFill>
+                <a:latin typeface="Consolas" panose="020B0609020204030204" pitchFamily="49" charset="0"/>
+              </a:rPr>
+              <a:t>"Date Key"</a:t>
+            </a:r>
+            <a:r>
+              <a:rPr lang="en-US" dirty="0">
+                <a:solidFill>
+                  <a:srgbClr val="000000"/>
+                </a:solidFill>
+                <a:latin typeface="Consolas" panose="020B0609020204030204" pitchFamily="49" charset="0"/>
+              </a:rPr>
+              <a:t>, </a:t>
+            </a:r>
+            <a:r>
+              <a:rPr lang="en-US" dirty="0">
+                <a:solidFill>
+                  <a:srgbClr val="3165BB"/>
+                </a:solidFill>
+                <a:latin typeface="Consolas" panose="020B0609020204030204" pitchFamily="49" charset="0"/>
+              </a:rPr>
+              <a:t>YEAR</a:t>
+            </a:r>
+            <a:r>
+              <a:rPr lang="en-US" dirty="0">
+                <a:solidFill>
+                  <a:srgbClr val="000000"/>
+                </a:solidFill>
+                <a:latin typeface="Consolas" panose="020B0609020204030204" pitchFamily="49" charset="0"/>
+              </a:rPr>
+              <a:t>(</a:t>
+            </a:r>
+            <a:r>
+              <a:rPr lang="en-US" dirty="0">
+                <a:solidFill>
+                  <a:srgbClr val="001080"/>
+                </a:solidFill>
+                <a:latin typeface="Consolas" panose="020B0609020204030204" pitchFamily="49" charset="0"/>
+              </a:rPr>
+              <a:t>[Date]</a:t>
+            </a:r>
+            <a:r>
+              <a:rPr lang="en-US" dirty="0">
+                <a:solidFill>
+                  <a:srgbClr val="000000"/>
+                </a:solidFill>
+                <a:latin typeface="Consolas" panose="020B0609020204030204" pitchFamily="49" charset="0"/>
+              </a:rPr>
+              <a:t>) * </a:t>
+            </a:r>
+            <a:r>
+              <a:rPr lang="en-US" dirty="0">
+                <a:solidFill>
+                  <a:srgbClr val="098658"/>
+                </a:solidFill>
+                <a:latin typeface="Consolas" panose="020B0609020204030204" pitchFamily="49" charset="0"/>
+              </a:rPr>
+              <a:t>10000</a:t>
+            </a:r>
+            <a:r>
+              <a:rPr lang="en-US" dirty="0">
+                <a:solidFill>
+                  <a:srgbClr val="000000"/>
+                </a:solidFill>
+                <a:latin typeface="Consolas" panose="020B0609020204030204" pitchFamily="49" charset="0"/>
+              </a:rPr>
+              <a:t> + </a:t>
+            </a:r>
+            <a:r>
+              <a:rPr lang="en-US" dirty="0">
+                <a:solidFill>
+                  <a:srgbClr val="3165BB"/>
+                </a:solidFill>
+                <a:latin typeface="Consolas" panose="020B0609020204030204" pitchFamily="49" charset="0"/>
+              </a:rPr>
+              <a:t>MONTH</a:t>
+            </a:r>
+            <a:r>
+              <a:rPr lang="en-US" dirty="0">
+                <a:solidFill>
+                  <a:srgbClr val="000000"/>
+                </a:solidFill>
+                <a:latin typeface="Consolas" panose="020B0609020204030204" pitchFamily="49" charset="0"/>
+              </a:rPr>
+              <a:t>(</a:t>
+            </a:r>
+            <a:r>
+              <a:rPr lang="en-US" dirty="0">
+                <a:solidFill>
+                  <a:srgbClr val="001080"/>
+                </a:solidFill>
+                <a:latin typeface="Consolas" panose="020B0609020204030204" pitchFamily="49" charset="0"/>
+              </a:rPr>
+              <a:t>[Date]</a:t>
+            </a:r>
+            <a:r>
+              <a:rPr lang="en-US" dirty="0">
+                <a:solidFill>
+                  <a:srgbClr val="000000"/>
+                </a:solidFill>
+                <a:latin typeface="Consolas" panose="020B0609020204030204" pitchFamily="49" charset="0"/>
+              </a:rPr>
+              <a:t>) * </a:t>
+            </a:r>
+            <a:r>
+              <a:rPr lang="en-US" dirty="0">
+                <a:solidFill>
+                  <a:srgbClr val="098658"/>
+                </a:solidFill>
+                <a:latin typeface="Consolas" panose="020B0609020204030204" pitchFamily="49" charset="0"/>
+              </a:rPr>
+              <a:t>100</a:t>
+            </a:r>
+            <a:r>
+              <a:rPr lang="en-US" dirty="0">
+                <a:solidFill>
+                  <a:srgbClr val="000000"/>
+                </a:solidFill>
+                <a:latin typeface="Consolas" panose="020B0609020204030204" pitchFamily="49" charset="0"/>
+              </a:rPr>
+              <a:t> + </a:t>
+            </a:r>
+            <a:r>
+              <a:rPr lang="en-US" dirty="0">
+                <a:solidFill>
+                  <a:srgbClr val="3165BB"/>
+                </a:solidFill>
+                <a:latin typeface="Consolas" panose="020B0609020204030204" pitchFamily="49" charset="0"/>
+              </a:rPr>
+              <a:t>DAY</a:t>
+            </a:r>
+            <a:r>
+              <a:rPr lang="en-US" dirty="0">
+                <a:solidFill>
+                  <a:srgbClr val="000000"/>
+                </a:solidFill>
+                <a:latin typeface="Consolas" panose="020B0609020204030204" pitchFamily="49" charset="0"/>
+              </a:rPr>
+              <a:t>(</a:t>
+            </a:r>
+            <a:r>
+              <a:rPr lang="en-US" dirty="0">
+                <a:solidFill>
+                  <a:srgbClr val="001080"/>
+                </a:solidFill>
+                <a:latin typeface="Consolas" panose="020B0609020204030204" pitchFamily="49" charset="0"/>
+              </a:rPr>
+              <a:t>[Date]</a:t>
+            </a:r>
+            <a:r>
+              <a:rPr lang="en-US" dirty="0">
+                <a:solidFill>
+                  <a:srgbClr val="000000"/>
+                </a:solidFill>
+                <a:latin typeface="Consolas" panose="020B0609020204030204" pitchFamily="49" charset="0"/>
+              </a:rPr>
+              <a:t>)</a:t>
+            </a:r>
+          </a:p>
+          <a:p>
+            <a:r>
+              <a:rPr lang="en-US" dirty="0">
+                <a:solidFill>
+                  <a:srgbClr val="000000"/>
+                </a:solidFill>
+                <a:latin typeface="Consolas" panose="020B0609020204030204" pitchFamily="49" charset="0"/>
+              </a:rPr>
+              <a:t>)</a:t>
+            </a:r>
+            <a:endParaRPr lang="en-US" b="0" dirty="0">
+              <a:solidFill>
+                <a:srgbClr val="000000"/>
+              </a:solidFill>
+              <a:effectLst/>
+              <a:latin typeface="Consolas" panose="020B0609020204030204" pitchFamily="49" charset="0"/>
+            </a:endParaRPr>
           </a:p>
         </p:txBody>
       </p:sp>
